--- a/docs/방탈출모아 매니저 앱 페이지별 설명서.pptx
+++ b/docs/방탈출모아 매니저 앱 페이지별 설명서.pptx
@@ -7155,7 +7155,7 @@
             <a:tbl>
               <a:tblPr>
                 <a:noFill/>
-                <a:tableStyleId>{C3402E22-3B9C-444F-AC2C-0A791764CC13}</a:tableStyleId>
+                <a:tableStyleId>{F2106519-0F86-4093-A877-5097710F3645}</a:tableStyleId>
               </a:tblPr>
               <a:tblGrid>
                 <a:gridCol w="1933650"/>
@@ -8444,7 +8444,7 @@
             <a:tbl>
               <a:tblPr>
                 <a:noFill/>
-                <a:tableStyleId>{C3402E22-3B9C-444F-AC2C-0A791764CC13}</a:tableStyleId>
+                <a:tableStyleId>{F2106519-0F86-4093-A877-5097710F3645}</a:tableStyleId>
               </a:tblPr>
               <a:tblGrid>
                 <a:gridCol w="1297800"/>
@@ -8992,7 +8992,7 @@
             <a:tbl>
               <a:tblPr>
                 <a:noFill/>
-                <a:tableStyleId>{C3402E22-3B9C-444F-AC2C-0A791764CC13}</a:tableStyleId>
+                <a:tableStyleId>{F2106519-0F86-4093-A877-5097710F3645}</a:tableStyleId>
               </a:tblPr>
               <a:tblGrid>
                 <a:gridCol w="1307750"/>
@@ -9629,7 +9629,7 @@
         <p:spPr>
           <a:xfrm>
             <a:off x="311700" y="779300"/>
-            <a:ext cx="2405075" cy="4278051"/>
+            <a:ext cx="2560725" cy="4233449"/>
           </a:xfrm>
           <a:prstGeom prst="rect">
             <a:avLst/>
@@ -9695,7 +9695,7 @@
             <a:tbl>
               <a:tblPr>
                 <a:noFill/>
-                <a:tableStyleId>{C3402E22-3B9C-444F-AC2C-0A791764CC13}</a:tableStyleId>
+                <a:tableStyleId>{F2106519-0F86-4093-A877-5097710F3645}</a:tableStyleId>
               </a:tblPr>
               <a:tblGrid>
                 <a:gridCol w="1307750"/>
@@ -9893,7 +9893,7 @@
                       </a:pPr>
                       <a:r>
                         <a:rPr lang="ko" sz="1000"/>
-                        <a:t>현재 날짜를 받아서 당일날 예약 현황을 받아와 시간순서대로 리스트로 출력한다.</a:t>
+                        <a:t>현재 날짜를 기준으로 당일날 예약 현황을 받아와 시간순서대로 리스트로 출력한다.</a:t>
                       </a:r>
                       <a:endParaRPr sz="1000"/>
                     </a:p>
@@ -9977,7 +9977,7 @@
         </p:nvSpPr>
         <p:spPr>
           <a:xfrm>
-            <a:off x="2023025" y="955513"/>
+            <a:off x="2072550" y="983823"/>
             <a:ext cx="192900" cy="186600"/>
           </a:xfrm>
           <a:prstGeom prst="rect">
@@ -10160,8 +10160,8 @@
         </p:blipFill>
         <p:spPr>
           <a:xfrm>
-            <a:off x="311700" y="779300"/>
-            <a:ext cx="2553800" cy="4251000"/>
+            <a:off x="311700" y="772475"/>
+            <a:ext cx="2523625" cy="4215117"/>
           </a:xfrm>
           <a:prstGeom prst="rect">
             <a:avLst/>
@@ -10227,7 +10227,7 @@
             <a:tbl>
               <a:tblPr>
                 <a:noFill/>
-                <a:tableStyleId>{C3402E22-3B9C-444F-AC2C-0A791764CC13}</a:tableStyleId>
+                <a:tableStyleId>{F2106519-0F86-4093-A877-5097710F3645}</a:tableStyleId>
               </a:tblPr>
               <a:tblGrid>
                 <a:gridCol w="1307750"/>
@@ -10655,7 +10655,7 @@
         </p:nvSpPr>
         <p:spPr>
           <a:xfrm>
-            <a:off x="2319850" y="2060325"/>
+            <a:off x="2243650" y="2060325"/>
             <a:ext cx="192900" cy="186600"/>
           </a:xfrm>
           <a:prstGeom prst="rect">
@@ -10888,8 +10888,8 @@
         </p:blipFill>
         <p:spPr>
           <a:xfrm>
-            <a:off x="2726800" y="779300"/>
-            <a:ext cx="2046700" cy="4248650"/>
+            <a:off x="2791599" y="779300"/>
+            <a:ext cx="2538163" cy="4248651"/>
           </a:xfrm>
           <a:prstGeom prst="rect">
             <a:avLst/>
@@ -10916,8 +10916,8 @@
         </p:blipFill>
         <p:spPr>
           <a:xfrm>
-            <a:off x="311700" y="779300"/>
-            <a:ext cx="2390925" cy="4248649"/>
+            <a:off x="235500" y="779300"/>
+            <a:ext cx="2556102" cy="4248651"/>
           </a:xfrm>
           <a:prstGeom prst="rect">
             <a:avLst/>
@@ -11126,7 +11126,7 @@
         </p:nvSpPr>
         <p:spPr>
           <a:xfrm>
-            <a:off x="3448925" y="4797988"/>
+            <a:off x="3601325" y="4797988"/>
             <a:ext cx="192900" cy="186600"/>
           </a:xfrm>
           <a:prstGeom prst="rect">
@@ -11175,7 +11175,7 @@
           <p:nvPr/>
         </p:nvGraphicFramePr>
         <p:xfrm>
-          <a:off x="4797675" y="857125"/>
+          <a:off x="5407275" y="933325"/>
           <a:ext cx="3000000" cy="3000000"/>
         </p:xfrm>
         <a:graphic>
@@ -11183,11 +11183,11 @@
             <a:tbl>
               <a:tblPr>
                 <a:noFill/>
-                <a:tableStyleId>{C3402E22-3B9C-444F-AC2C-0A791764CC13}</a:tableStyleId>
+                <a:tableStyleId>{F2106519-0F86-4093-A877-5097710F3645}</a:tableStyleId>
               </a:tblPr>
               <a:tblGrid>
-                <a:gridCol w="904475"/>
-                <a:gridCol w="3154325"/>
+                <a:gridCol w="744450"/>
+                <a:gridCol w="2596225"/>
               </a:tblGrid>
               <a:tr h="632150">
                 <a:tc>
@@ -11309,7 +11309,7 @@
                   <a:tcPr marT="91425" marB="91425" marR="91425" marL="91425" anchor="ctr"/>
                 </a:tc>
               </a:tr>
-              <a:tr h="465600">
+              <a:tr h="640050">
                 <a:tc>
                   <a:txBody>
                     <a:bodyPr/>
@@ -11373,7 +11373,7 @@
                   <a:tcPr marT="91425" marB="91425" marR="91425" marL="91425" anchor="ctr"/>
                 </a:tc>
               </a:tr>
-              <a:tr h="497175">
+              <a:tr h="640050">
                 <a:tc>
                   <a:txBody>
                     <a:bodyPr/>
@@ -11437,7 +11437,7 @@
                   <a:tcPr marT="91425" marB="91425" marR="91425" marL="91425" anchor="ctr"/>
                 </a:tc>
               </a:tr>
-              <a:tr h="461625">
+              <a:tr h="640050">
                 <a:tc>
                   <a:txBody>
                     <a:bodyPr/>
@@ -11546,8 +11546,8 @@
         </p:blipFill>
         <p:spPr>
           <a:xfrm>
-            <a:off x="2113350" y="812775"/>
-            <a:ext cx="2087435" cy="3257374"/>
+            <a:off x="2261401" y="785863"/>
+            <a:ext cx="2087425" cy="3486555"/>
           </a:xfrm>
           <a:prstGeom prst="rect">
             <a:avLst/>
@@ -11574,8 +11574,8 @@
         </p:blipFill>
         <p:spPr>
           <a:xfrm>
-            <a:off x="311700" y="812775"/>
-            <a:ext cx="1964375" cy="3257382"/>
+            <a:off x="173974" y="779300"/>
+            <a:ext cx="2087425" cy="3499681"/>
           </a:xfrm>
           <a:prstGeom prst="rect">
             <a:avLst/>
@@ -11633,7 +11633,7 @@
           <p:nvPr/>
         </p:nvGraphicFramePr>
         <p:xfrm>
-          <a:off x="4326825" y="779300"/>
+          <a:off x="4425025" y="729775"/>
           <a:ext cx="3000000" cy="3000000"/>
         </p:xfrm>
         <a:graphic>
@@ -11641,7 +11641,7 @@
             <a:tbl>
               <a:tblPr>
                 <a:noFill/>
-                <a:tableStyleId>{C3402E22-3B9C-444F-AC2C-0A791764CC13}</a:tableStyleId>
+                <a:tableStyleId>{F2106519-0F86-4093-A877-5097710F3645}</a:tableStyleId>
               </a:tblPr>
               <a:tblGrid>
                 <a:gridCol w="1156300"/>
@@ -12393,7 +12393,7 @@
         </p:nvSpPr>
         <p:spPr>
           <a:xfrm>
-            <a:off x="2167525" y="3595338"/>
+            <a:off x="2167525" y="3671538"/>
             <a:ext cx="192900" cy="186600"/>
           </a:xfrm>
           <a:prstGeom prst="rect">
@@ -12443,7 +12443,7 @@
         </p:nvSpPr>
         <p:spPr>
           <a:xfrm>
-            <a:off x="2871750" y="3875638"/>
+            <a:off x="2871750" y="4028038"/>
             <a:ext cx="192900" cy="186600"/>
           </a:xfrm>
           <a:prstGeom prst="rect">
